--- a/THESEUS 1 Pulsed-Wire Alignment Dec. 2022.pptx
+++ b/THESEUS 1 Pulsed-Wire Alignment Dec. 2022.pptx
@@ -19,6 +19,7 @@
     <p:sldId id="269" r:id="rId13"/>
     <p:sldId id="270" r:id="rId14"/>
     <p:sldId id="268" r:id="rId15"/>
+    <p:sldId id="271" r:id="rId16"/>
   </p:sldIdLst>
   <p:sldSz cx="12192000" cy="6858000"/>
   <p:notesSz cx="6858000" cy="9144000"/>
@@ -119,7 +120,7 @@
   </p:defaultTextStyle>
   <p:extLst>
     <p:ext uri="{EFAFB233-063F-42B5-8137-9DF3F51BA10A}">
-      <p15:sldGuideLst xmlns:p15="http://schemas.microsoft.com/office/powerpoint/2012/main" xmlns="">
+      <p15:sldGuideLst xmlns:p15="http://schemas.microsoft.com/office/powerpoint/2012/main">
         <p15:guide id="1" orient="horz" pos="2160">
           <p15:clr>
             <a:srgbClr val="A4A3A4"/>
@@ -158,7 +159,7 @@
           <p:cNvPr id="2" name="Title 1">
             <a:extLst>
               <a:ext uri="{FF2B5EF4-FFF2-40B4-BE49-F238E27FC236}">
-                <a16:creationId xmlns:a16="http://schemas.microsoft.com/office/drawing/2014/main" xmlns="" id="{00E0886F-A4C3-DB2A-ABB8-03005E281B8C}"/>
+                <a16:creationId xmlns:a16="http://schemas.microsoft.com/office/drawing/2014/main" id="{00E0886F-A4C3-DB2A-ABB8-03005E281B8C}"/>
               </a:ext>
             </a:extLst>
           </p:cNvPr>
@@ -195,7 +196,7 @@
           <p:cNvPr id="3" name="Subtitle 2">
             <a:extLst>
               <a:ext uri="{FF2B5EF4-FFF2-40B4-BE49-F238E27FC236}">
-                <a16:creationId xmlns:a16="http://schemas.microsoft.com/office/drawing/2014/main" xmlns="" id="{75A50426-015C-D0A4-586B-9D71DC20713F}"/>
+                <a16:creationId xmlns:a16="http://schemas.microsoft.com/office/drawing/2014/main" id="{75A50426-015C-D0A4-586B-9D71DC20713F}"/>
               </a:ext>
             </a:extLst>
           </p:cNvPr>
@@ -265,7 +266,7 @@
           <p:cNvPr id="4" name="Date Placeholder 3">
             <a:extLst>
               <a:ext uri="{FF2B5EF4-FFF2-40B4-BE49-F238E27FC236}">
-                <a16:creationId xmlns:a16="http://schemas.microsoft.com/office/drawing/2014/main" xmlns="" id="{A41699CF-EDB2-851E-8F58-27CCF7577C5E}"/>
+                <a16:creationId xmlns:a16="http://schemas.microsoft.com/office/drawing/2014/main" id="{A41699CF-EDB2-851E-8F58-27CCF7577C5E}"/>
               </a:ext>
             </a:extLst>
           </p:cNvPr>
@@ -283,7 +284,7 @@
           <a:p>
             <a:fld id="{CC723744-7631-45EC-9413-1AE502D85CB6}" type="datetimeFigureOut">
               <a:rPr lang="en-US" smtClean="0"/>
-              <a:t>1/10/2023</a:t>
+              <a:t>1/23/2023</a:t>
             </a:fld>
             <a:endParaRPr lang="en-US"/>
           </a:p>
@@ -294,7 +295,7 @@
           <p:cNvPr id="5" name="Footer Placeholder 4">
             <a:extLst>
               <a:ext uri="{FF2B5EF4-FFF2-40B4-BE49-F238E27FC236}">
-                <a16:creationId xmlns:a16="http://schemas.microsoft.com/office/drawing/2014/main" xmlns="" id="{F4896356-F1DD-8679-076D-62EFF294C520}"/>
+                <a16:creationId xmlns:a16="http://schemas.microsoft.com/office/drawing/2014/main" id="{F4896356-F1DD-8679-076D-62EFF294C520}"/>
               </a:ext>
             </a:extLst>
           </p:cNvPr>
@@ -319,7 +320,7 @@
           <p:cNvPr id="6" name="Slide Number Placeholder 5">
             <a:extLst>
               <a:ext uri="{FF2B5EF4-FFF2-40B4-BE49-F238E27FC236}">
-                <a16:creationId xmlns:a16="http://schemas.microsoft.com/office/drawing/2014/main" xmlns="" id="{53440E42-9547-FA0A-646E-2633E1BC0F8C}"/>
+                <a16:creationId xmlns:a16="http://schemas.microsoft.com/office/drawing/2014/main" id="{53440E42-9547-FA0A-646E-2633E1BC0F8C}"/>
               </a:ext>
             </a:extLst>
           </p:cNvPr>
@@ -378,7 +379,7 @@
           <p:cNvPr id="2" name="Title 1">
             <a:extLst>
               <a:ext uri="{FF2B5EF4-FFF2-40B4-BE49-F238E27FC236}">
-                <a16:creationId xmlns:a16="http://schemas.microsoft.com/office/drawing/2014/main" xmlns="" id="{948E065B-36C9-0F6C-94C0-82E53BFBDB9E}"/>
+                <a16:creationId xmlns:a16="http://schemas.microsoft.com/office/drawing/2014/main" id="{948E065B-36C9-0F6C-94C0-82E53BFBDB9E}"/>
               </a:ext>
             </a:extLst>
           </p:cNvPr>
@@ -406,7 +407,7 @@
           <p:cNvPr id="3" name="Vertical Text Placeholder 2">
             <a:extLst>
               <a:ext uri="{FF2B5EF4-FFF2-40B4-BE49-F238E27FC236}">
-                <a16:creationId xmlns:a16="http://schemas.microsoft.com/office/drawing/2014/main" xmlns="" id="{F60495E1-73B2-BF67-4009-492EC08AC59D}"/>
+                <a16:creationId xmlns:a16="http://schemas.microsoft.com/office/drawing/2014/main" id="{F60495E1-73B2-BF67-4009-492EC08AC59D}"/>
               </a:ext>
             </a:extLst>
           </p:cNvPr>
@@ -463,7 +464,7 @@
           <p:cNvPr id="4" name="Date Placeholder 3">
             <a:extLst>
               <a:ext uri="{FF2B5EF4-FFF2-40B4-BE49-F238E27FC236}">
-                <a16:creationId xmlns:a16="http://schemas.microsoft.com/office/drawing/2014/main" xmlns="" id="{CC1D4D07-DB59-E12F-3452-D51EA4F55E26}"/>
+                <a16:creationId xmlns:a16="http://schemas.microsoft.com/office/drawing/2014/main" id="{CC1D4D07-DB59-E12F-3452-D51EA4F55E26}"/>
               </a:ext>
             </a:extLst>
           </p:cNvPr>
@@ -481,7 +482,7 @@
           <a:p>
             <a:fld id="{CC723744-7631-45EC-9413-1AE502D85CB6}" type="datetimeFigureOut">
               <a:rPr lang="en-US" smtClean="0"/>
-              <a:t>1/10/2023</a:t>
+              <a:t>1/23/2023</a:t>
             </a:fld>
             <a:endParaRPr lang="en-US"/>
           </a:p>
@@ -492,7 +493,7 @@
           <p:cNvPr id="5" name="Footer Placeholder 4">
             <a:extLst>
               <a:ext uri="{FF2B5EF4-FFF2-40B4-BE49-F238E27FC236}">
-                <a16:creationId xmlns:a16="http://schemas.microsoft.com/office/drawing/2014/main" xmlns="" id="{8DD0D4E7-3392-C135-EF59-703CADE3B415}"/>
+                <a16:creationId xmlns:a16="http://schemas.microsoft.com/office/drawing/2014/main" id="{8DD0D4E7-3392-C135-EF59-703CADE3B415}"/>
               </a:ext>
             </a:extLst>
           </p:cNvPr>
@@ -517,7 +518,7 @@
           <p:cNvPr id="6" name="Slide Number Placeholder 5">
             <a:extLst>
               <a:ext uri="{FF2B5EF4-FFF2-40B4-BE49-F238E27FC236}">
-                <a16:creationId xmlns:a16="http://schemas.microsoft.com/office/drawing/2014/main" xmlns="" id="{0ED03BEC-CD27-DE8D-877B-90889B5B1E3B}"/>
+                <a16:creationId xmlns:a16="http://schemas.microsoft.com/office/drawing/2014/main" id="{0ED03BEC-CD27-DE8D-877B-90889B5B1E3B}"/>
               </a:ext>
             </a:extLst>
           </p:cNvPr>
@@ -576,7 +577,7 @@
           <p:cNvPr id="2" name="Vertical Title 1">
             <a:extLst>
               <a:ext uri="{FF2B5EF4-FFF2-40B4-BE49-F238E27FC236}">
-                <a16:creationId xmlns:a16="http://schemas.microsoft.com/office/drawing/2014/main" xmlns="" id="{845584A6-E0F2-F7EE-0775-B0F877B8D38A}"/>
+                <a16:creationId xmlns:a16="http://schemas.microsoft.com/office/drawing/2014/main" id="{845584A6-E0F2-F7EE-0775-B0F877B8D38A}"/>
               </a:ext>
             </a:extLst>
           </p:cNvPr>
@@ -609,7 +610,7 @@
           <p:cNvPr id="3" name="Vertical Text Placeholder 2">
             <a:extLst>
               <a:ext uri="{FF2B5EF4-FFF2-40B4-BE49-F238E27FC236}">
-                <a16:creationId xmlns:a16="http://schemas.microsoft.com/office/drawing/2014/main" xmlns="" id="{13539F1D-FAC6-0F52-24CE-6C97F8FF5469}"/>
+                <a16:creationId xmlns:a16="http://schemas.microsoft.com/office/drawing/2014/main" id="{13539F1D-FAC6-0F52-24CE-6C97F8FF5469}"/>
               </a:ext>
             </a:extLst>
           </p:cNvPr>
@@ -671,7 +672,7 @@
           <p:cNvPr id="4" name="Date Placeholder 3">
             <a:extLst>
               <a:ext uri="{FF2B5EF4-FFF2-40B4-BE49-F238E27FC236}">
-                <a16:creationId xmlns:a16="http://schemas.microsoft.com/office/drawing/2014/main" xmlns="" id="{A74CB834-33F8-532D-96E4-7271032C28F9}"/>
+                <a16:creationId xmlns:a16="http://schemas.microsoft.com/office/drawing/2014/main" id="{A74CB834-33F8-532D-96E4-7271032C28F9}"/>
               </a:ext>
             </a:extLst>
           </p:cNvPr>
@@ -689,7 +690,7 @@
           <a:p>
             <a:fld id="{CC723744-7631-45EC-9413-1AE502D85CB6}" type="datetimeFigureOut">
               <a:rPr lang="en-US" smtClean="0"/>
-              <a:t>1/10/2023</a:t>
+              <a:t>1/23/2023</a:t>
             </a:fld>
             <a:endParaRPr lang="en-US"/>
           </a:p>
@@ -700,7 +701,7 @@
           <p:cNvPr id="5" name="Footer Placeholder 4">
             <a:extLst>
               <a:ext uri="{FF2B5EF4-FFF2-40B4-BE49-F238E27FC236}">
-                <a16:creationId xmlns:a16="http://schemas.microsoft.com/office/drawing/2014/main" xmlns="" id="{927EEB16-5306-DBF0-2AD0-55D7D8DFB4E7}"/>
+                <a16:creationId xmlns:a16="http://schemas.microsoft.com/office/drawing/2014/main" id="{927EEB16-5306-DBF0-2AD0-55D7D8DFB4E7}"/>
               </a:ext>
             </a:extLst>
           </p:cNvPr>
@@ -725,7 +726,7 @@
           <p:cNvPr id="6" name="Slide Number Placeholder 5">
             <a:extLst>
               <a:ext uri="{FF2B5EF4-FFF2-40B4-BE49-F238E27FC236}">
-                <a16:creationId xmlns:a16="http://schemas.microsoft.com/office/drawing/2014/main" xmlns="" id="{D04D3E4F-E3CE-8F5C-82EC-436876439BE7}"/>
+                <a16:creationId xmlns:a16="http://schemas.microsoft.com/office/drawing/2014/main" id="{D04D3E4F-E3CE-8F5C-82EC-436876439BE7}"/>
               </a:ext>
             </a:extLst>
           </p:cNvPr>
@@ -784,7 +785,7 @@
           <p:cNvPr id="2" name="Title 1">
             <a:extLst>
               <a:ext uri="{FF2B5EF4-FFF2-40B4-BE49-F238E27FC236}">
-                <a16:creationId xmlns:a16="http://schemas.microsoft.com/office/drawing/2014/main" xmlns="" id="{F264C621-5FED-B1EB-C60C-7AD2CD2C24FF}"/>
+                <a16:creationId xmlns:a16="http://schemas.microsoft.com/office/drawing/2014/main" id="{F264C621-5FED-B1EB-C60C-7AD2CD2C24FF}"/>
               </a:ext>
             </a:extLst>
           </p:cNvPr>
@@ -812,7 +813,7 @@
           <p:cNvPr id="3" name="Content Placeholder 2">
             <a:extLst>
               <a:ext uri="{FF2B5EF4-FFF2-40B4-BE49-F238E27FC236}">
-                <a16:creationId xmlns:a16="http://schemas.microsoft.com/office/drawing/2014/main" xmlns="" id="{A71A0D82-642F-1FD6-8D64-3F4761DDE6D8}"/>
+                <a16:creationId xmlns:a16="http://schemas.microsoft.com/office/drawing/2014/main" id="{A71A0D82-642F-1FD6-8D64-3F4761DDE6D8}"/>
               </a:ext>
             </a:extLst>
           </p:cNvPr>
@@ -869,7 +870,7 @@
           <p:cNvPr id="4" name="Date Placeholder 3">
             <a:extLst>
               <a:ext uri="{FF2B5EF4-FFF2-40B4-BE49-F238E27FC236}">
-                <a16:creationId xmlns:a16="http://schemas.microsoft.com/office/drawing/2014/main" xmlns="" id="{1F15F1D2-5193-387D-E445-A74B2F1B9DBA}"/>
+                <a16:creationId xmlns:a16="http://schemas.microsoft.com/office/drawing/2014/main" id="{1F15F1D2-5193-387D-E445-A74B2F1B9DBA}"/>
               </a:ext>
             </a:extLst>
           </p:cNvPr>
@@ -887,7 +888,7 @@
           <a:p>
             <a:fld id="{CC723744-7631-45EC-9413-1AE502D85CB6}" type="datetimeFigureOut">
               <a:rPr lang="en-US" smtClean="0"/>
-              <a:t>1/10/2023</a:t>
+              <a:t>1/23/2023</a:t>
             </a:fld>
             <a:endParaRPr lang="en-US"/>
           </a:p>
@@ -898,7 +899,7 @@
           <p:cNvPr id="5" name="Footer Placeholder 4">
             <a:extLst>
               <a:ext uri="{FF2B5EF4-FFF2-40B4-BE49-F238E27FC236}">
-                <a16:creationId xmlns:a16="http://schemas.microsoft.com/office/drawing/2014/main" xmlns="" id="{F0AC27BF-F849-C8B2-15C9-21A9D2BCD60D}"/>
+                <a16:creationId xmlns:a16="http://schemas.microsoft.com/office/drawing/2014/main" id="{F0AC27BF-F849-C8B2-15C9-21A9D2BCD60D}"/>
               </a:ext>
             </a:extLst>
           </p:cNvPr>
@@ -923,7 +924,7 @@
           <p:cNvPr id="6" name="Slide Number Placeholder 5">
             <a:extLst>
               <a:ext uri="{FF2B5EF4-FFF2-40B4-BE49-F238E27FC236}">
-                <a16:creationId xmlns:a16="http://schemas.microsoft.com/office/drawing/2014/main" xmlns="" id="{B0817472-324F-A359-4DE1-DF505B1CC5A6}"/>
+                <a16:creationId xmlns:a16="http://schemas.microsoft.com/office/drawing/2014/main" id="{B0817472-324F-A359-4DE1-DF505B1CC5A6}"/>
               </a:ext>
             </a:extLst>
           </p:cNvPr>
@@ -982,7 +983,7 @@
           <p:cNvPr id="2" name="Title 1">
             <a:extLst>
               <a:ext uri="{FF2B5EF4-FFF2-40B4-BE49-F238E27FC236}">
-                <a16:creationId xmlns:a16="http://schemas.microsoft.com/office/drawing/2014/main" xmlns="" id="{4133880C-6F34-013B-6AB3-1D28B01DB719}"/>
+                <a16:creationId xmlns:a16="http://schemas.microsoft.com/office/drawing/2014/main" id="{4133880C-6F34-013B-6AB3-1D28B01DB719}"/>
               </a:ext>
             </a:extLst>
           </p:cNvPr>
@@ -1019,7 +1020,7 @@
           <p:cNvPr id="3" name="Text Placeholder 2">
             <a:extLst>
               <a:ext uri="{FF2B5EF4-FFF2-40B4-BE49-F238E27FC236}">
-                <a16:creationId xmlns:a16="http://schemas.microsoft.com/office/drawing/2014/main" xmlns="" id="{A3BF6C2F-709E-448E-50DC-F034E694E659}"/>
+                <a16:creationId xmlns:a16="http://schemas.microsoft.com/office/drawing/2014/main" id="{A3BF6C2F-709E-448E-50DC-F034E694E659}"/>
               </a:ext>
             </a:extLst>
           </p:cNvPr>
@@ -1144,7 +1145,7 @@
           <p:cNvPr id="4" name="Date Placeholder 3">
             <a:extLst>
               <a:ext uri="{FF2B5EF4-FFF2-40B4-BE49-F238E27FC236}">
-                <a16:creationId xmlns:a16="http://schemas.microsoft.com/office/drawing/2014/main" xmlns="" id="{88A33129-33B4-7359-8349-53E7476E2830}"/>
+                <a16:creationId xmlns:a16="http://schemas.microsoft.com/office/drawing/2014/main" id="{88A33129-33B4-7359-8349-53E7476E2830}"/>
               </a:ext>
             </a:extLst>
           </p:cNvPr>
@@ -1162,7 +1163,7 @@
           <a:p>
             <a:fld id="{CC723744-7631-45EC-9413-1AE502D85CB6}" type="datetimeFigureOut">
               <a:rPr lang="en-US" smtClean="0"/>
-              <a:t>1/10/2023</a:t>
+              <a:t>1/23/2023</a:t>
             </a:fld>
             <a:endParaRPr lang="en-US"/>
           </a:p>
@@ -1173,7 +1174,7 @@
           <p:cNvPr id="5" name="Footer Placeholder 4">
             <a:extLst>
               <a:ext uri="{FF2B5EF4-FFF2-40B4-BE49-F238E27FC236}">
-                <a16:creationId xmlns:a16="http://schemas.microsoft.com/office/drawing/2014/main" xmlns="" id="{0B6537FD-296A-C1F0-3F37-C58177C849A4}"/>
+                <a16:creationId xmlns:a16="http://schemas.microsoft.com/office/drawing/2014/main" id="{0B6537FD-296A-C1F0-3F37-C58177C849A4}"/>
               </a:ext>
             </a:extLst>
           </p:cNvPr>
@@ -1198,7 +1199,7 @@
           <p:cNvPr id="6" name="Slide Number Placeholder 5">
             <a:extLst>
               <a:ext uri="{FF2B5EF4-FFF2-40B4-BE49-F238E27FC236}">
-                <a16:creationId xmlns:a16="http://schemas.microsoft.com/office/drawing/2014/main" xmlns="" id="{D1DD27D3-820C-41B8-6EAD-98E0870839AC}"/>
+                <a16:creationId xmlns:a16="http://schemas.microsoft.com/office/drawing/2014/main" id="{D1DD27D3-820C-41B8-6EAD-98E0870839AC}"/>
               </a:ext>
             </a:extLst>
           </p:cNvPr>
@@ -1257,7 +1258,7 @@
           <p:cNvPr id="2" name="Title 1">
             <a:extLst>
               <a:ext uri="{FF2B5EF4-FFF2-40B4-BE49-F238E27FC236}">
-                <a16:creationId xmlns:a16="http://schemas.microsoft.com/office/drawing/2014/main" xmlns="" id="{2969FE45-F3B1-FEFD-7C23-C14A51EA72FD}"/>
+                <a16:creationId xmlns:a16="http://schemas.microsoft.com/office/drawing/2014/main" id="{2969FE45-F3B1-FEFD-7C23-C14A51EA72FD}"/>
               </a:ext>
             </a:extLst>
           </p:cNvPr>
@@ -1285,7 +1286,7 @@
           <p:cNvPr id="3" name="Content Placeholder 2">
             <a:extLst>
               <a:ext uri="{FF2B5EF4-FFF2-40B4-BE49-F238E27FC236}">
-                <a16:creationId xmlns:a16="http://schemas.microsoft.com/office/drawing/2014/main" xmlns="" id="{80B0DC5C-D76C-3508-304A-B902A598B716}"/>
+                <a16:creationId xmlns:a16="http://schemas.microsoft.com/office/drawing/2014/main" id="{80B0DC5C-D76C-3508-304A-B902A598B716}"/>
               </a:ext>
             </a:extLst>
           </p:cNvPr>
@@ -1347,7 +1348,7 @@
           <p:cNvPr id="4" name="Content Placeholder 3">
             <a:extLst>
               <a:ext uri="{FF2B5EF4-FFF2-40B4-BE49-F238E27FC236}">
-                <a16:creationId xmlns:a16="http://schemas.microsoft.com/office/drawing/2014/main" xmlns="" id="{9BFDE647-44AF-0332-535D-BCD8E8B92DC0}"/>
+                <a16:creationId xmlns:a16="http://schemas.microsoft.com/office/drawing/2014/main" id="{9BFDE647-44AF-0332-535D-BCD8E8B92DC0}"/>
               </a:ext>
             </a:extLst>
           </p:cNvPr>
@@ -1409,7 +1410,7 @@
           <p:cNvPr id="5" name="Date Placeholder 4">
             <a:extLst>
               <a:ext uri="{FF2B5EF4-FFF2-40B4-BE49-F238E27FC236}">
-                <a16:creationId xmlns:a16="http://schemas.microsoft.com/office/drawing/2014/main" xmlns="" id="{3F207661-C2C8-2C88-1AF1-2CDBECFEE40C}"/>
+                <a16:creationId xmlns:a16="http://schemas.microsoft.com/office/drawing/2014/main" id="{3F207661-C2C8-2C88-1AF1-2CDBECFEE40C}"/>
               </a:ext>
             </a:extLst>
           </p:cNvPr>
@@ -1427,7 +1428,7 @@
           <a:p>
             <a:fld id="{CC723744-7631-45EC-9413-1AE502D85CB6}" type="datetimeFigureOut">
               <a:rPr lang="en-US" smtClean="0"/>
-              <a:t>1/10/2023</a:t>
+              <a:t>1/23/2023</a:t>
             </a:fld>
             <a:endParaRPr lang="en-US"/>
           </a:p>
@@ -1438,7 +1439,7 @@
           <p:cNvPr id="6" name="Footer Placeholder 5">
             <a:extLst>
               <a:ext uri="{FF2B5EF4-FFF2-40B4-BE49-F238E27FC236}">
-                <a16:creationId xmlns:a16="http://schemas.microsoft.com/office/drawing/2014/main" xmlns="" id="{87845FDF-8453-FA97-80BE-DE07220BCF38}"/>
+                <a16:creationId xmlns:a16="http://schemas.microsoft.com/office/drawing/2014/main" id="{87845FDF-8453-FA97-80BE-DE07220BCF38}"/>
               </a:ext>
             </a:extLst>
           </p:cNvPr>
@@ -1463,7 +1464,7 @@
           <p:cNvPr id="7" name="Slide Number Placeholder 6">
             <a:extLst>
               <a:ext uri="{FF2B5EF4-FFF2-40B4-BE49-F238E27FC236}">
-                <a16:creationId xmlns:a16="http://schemas.microsoft.com/office/drawing/2014/main" xmlns="" id="{61D59091-6BF3-FEA9-0B00-8439FAC4FCEA}"/>
+                <a16:creationId xmlns:a16="http://schemas.microsoft.com/office/drawing/2014/main" id="{61D59091-6BF3-FEA9-0B00-8439FAC4FCEA}"/>
               </a:ext>
             </a:extLst>
           </p:cNvPr>
@@ -1522,7 +1523,7 @@
           <p:cNvPr id="2" name="Title 1">
             <a:extLst>
               <a:ext uri="{FF2B5EF4-FFF2-40B4-BE49-F238E27FC236}">
-                <a16:creationId xmlns:a16="http://schemas.microsoft.com/office/drawing/2014/main" xmlns="" id="{21AE0E60-490C-2FAA-CAFA-EAA2AFD7BEDD}"/>
+                <a16:creationId xmlns:a16="http://schemas.microsoft.com/office/drawing/2014/main" id="{21AE0E60-490C-2FAA-CAFA-EAA2AFD7BEDD}"/>
               </a:ext>
             </a:extLst>
           </p:cNvPr>
@@ -1555,7 +1556,7 @@
           <p:cNvPr id="3" name="Text Placeholder 2">
             <a:extLst>
               <a:ext uri="{FF2B5EF4-FFF2-40B4-BE49-F238E27FC236}">
-                <a16:creationId xmlns:a16="http://schemas.microsoft.com/office/drawing/2014/main" xmlns="" id="{8A4F0CB0-CE7F-5EFC-9BCA-A661E4A7FDD9}"/>
+                <a16:creationId xmlns:a16="http://schemas.microsoft.com/office/drawing/2014/main" id="{8A4F0CB0-CE7F-5EFC-9BCA-A661E4A7FDD9}"/>
               </a:ext>
             </a:extLst>
           </p:cNvPr>
@@ -1626,7 +1627,7 @@
           <p:cNvPr id="4" name="Content Placeholder 3">
             <a:extLst>
               <a:ext uri="{FF2B5EF4-FFF2-40B4-BE49-F238E27FC236}">
-                <a16:creationId xmlns:a16="http://schemas.microsoft.com/office/drawing/2014/main" xmlns="" id="{880385B8-4417-BCFF-9D7B-3726D9A49E71}"/>
+                <a16:creationId xmlns:a16="http://schemas.microsoft.com/office/drawing/2014/main" id="{880385B8-4417-BCFF-9D7B-3726D9A49E71}"/>
               </a:ext>
             </a:extLst>
           </p:cNvPr>
@@ -1688,7 +1689,7 @@
           <p:cNvPr id="5" name="Text Placeholder 4">
             <a:extLst>
               <a:ext uri="{FF2B5EF4-FFF2-40B4-BE49-F238E27FC236}">
-                <a16:creationId xmlns:a16="http://schemas.microsoft.com/office/drawing/2014/main" xmlns="" id="{3E320428-EDA4-C0BF-F97C-62C0B618BB79}"/>
+                <a16:creationId xmlns:a16="http://schemas.microsoft.com/office/drawing/2014/main" id="{3E320428-EDA4-C0BF-F97C-62C0B618BB79}"/>
               </a:ext>
             </a:extLst>
           </p:cNvPr>
@@ -1759,7 +1760,7 @@
           <p:cNvPr id="6" name="Content Placeholder 5">
             <a:extLst>
               <a:ext uri="{FF2B5EF4-FFF2-40B4-BE49-F238E27FC236}">
-                <a16:creationId xmlns:a16="http://schemas.microsoft.com/office/drawing/2014/main" xmlns="" id="{6E20F4F7-3061-F4E0-0F05-1F398D5983CA}"/>
+                <a16:creationId xmlns:a16="http://schemas.microsoft.com/office/drawing/2014/main" id="{6E20F4F7-3061-F4E0-0F05-1F398D5983CA}"/>
               </a:ext>
             </a:extLst>
           </p:cNvPr>
@@ -1821,7 +1822,7 @@
           <p:cNvPr id="7" name="Date Placeholder 6">
             <a:extLst>
               <a:ext uri="{FF2B5EF4-FFF2-40B4-BE49-F238E27FC236}">
-                <a16:creationId xmlns:a16="http://schemas.microsoft.com/office/drawing/2014/main" xmlns="" id="{F4EA3360-1512-2F66-9F55-525A8366CB48}"/>
+                <a16:creationId xmlns:a16="http://schemas.microsoft.com/office/drawing/2014/main" id="{F4EA3360-1512-2F66-9F55-525A8366CB48}"/>
               </a:ext>
             </a:extLst>
           </p:cNvPr>
@@ -1839,7 +1840,7 @@
           <a:p>
             <a:fld id="{CC723744-7631-45EC-9413-1AE502D85CB6}" type="datetimeFigureOut">
               <a:rPr lang="en-US" smtClean="0"/>
-              <a:t>1/10/2023</a:t>
+              <a:t>1/23/2023</a:t>
             </a:fld>
             <a:endParaRPr lang="en-US"/>
           </a:p>
@@ -1850,7 +1851,7 @@
           <p:cNvPr id="8" name="Footer Placeholder 7">
             <a:extLst>
               <a:ext uri="{FF2B5EF4-FFF2-40B4-BE49-F238E27FC236}">
-                <a16:creationId xmlns:a16="http://schemas.microsoft.com/office/drawing/2014/main" xmlns="" id="{0F39389A-FAF9-BD65-D8CD-156D45A12F56}"/>
+                <a16:creationId xmlns:a16="http://schemas.microsoft.com/office/drawing/2014/main" id="{0F39389A-FAF9-BD65-D8CD-156D45A12F56}"/>
               </a:ext>
             </a:extLst>
           </p:cNvPr>
@@ -1875,7 +1876,7 @@
           <p:cNvPr id="9" name="Slide Number Placeholder 8">
             <a:extLst>
               <a:ext uri="{FF2B5EF4-FFF2-40B4-BE49-F238E27FC236}">
-                <a16:creationId xmlns:a16="http://schemas.microsoft.com/office/drawing/2014/main" xmlns="" id="{FFFBF88B-C81E-4789-028F-439B2B326EF6}"/>
+                <a16:creationId xmlns:a16="http://schemas.microsoft.com/office/drawing/2014/main" id="{FFFBF88B-C81E-4789-028F-439B2B326EF6}"/>
               </a:ext>
             </a:extLst>
           </p:cNvPr>
@@ -1934,7 +1935,7 @@
           <p:cNvPr id="2" name="Title 1">
             <a:extLst>
               <a:ext uri="{FF2B5EF4-FFF2-40B4-BE49-F238E27FC236}">
-                <a16:creationId xmlns:a16="http://schemas.microsoft.com/office/drawing/2014/main" xmlns="" id="{592A1A8C-4916-835A-60A0-6CF7B2A9FDC2}"/>
+                <a16:creationId xmlns:a16="http://schemas.microsoft.com/office/drawing/2014/main" id="{592A1A8C-4916-835A-60A0-6CF7B2A9FDC2}"/>
               </a:ext>
             </a:extLst>
           </p:cNvPr>
@@ -1962,7 +1963,7 @@
           <p:cNvPr id="3" name="Date Placeholder 2">
             <a:extLst>
               <a:ext uri="{FF2B5EF4-FFF2-40B4-BE49-F238E27FC236}">
-                <a16:creationId xmlns:a16="http://schemas.microsoft.com/office/drawing/2014/main" xmlns="" id="{25DFB5C5-C63A-1AEA-AFDD-A41091F191C8}"/>
+                <a16:creationId xmlns:a16="http://schemas.microsoft.com/office/drawing/2014/main" id="{25DFB5C5-C63A-1AEA-AFDD-A41091F191C8}"/>
               </a:ext>
             </a:extLst>
           </p:cNvPr>
@@ -1980,7 +1981,7 @@
           <a:p>
             <a:fld id="{CC723744-7631-45EC-9413-1AE502D85CB6}" type="datetimeFigureOut">
               <a:rPr lang="en-US" smtClean="0"/>
-              <a:t>1/10/2023</a:t>
+              <a:t>1/23/2023</a:t>
             </a:fld>
             <a:endParaRPr lang="en-US"/>
           </a:p>
@@ -1991,7 +1992,7 @@
           <p:cNvPr id="4" name="Footer Placeholder 3">
             <a:extLst>
               <a:ext uri="{FF2B5EF4-FFF2-40B4-BE49-F238E27FC236}">
-                <a16:creationId xmlns:a16="http://schemas.microsoft.com/office/drawing/2014/main" xmlns="" id="{F54AC235-5133-27FC-93C5-0E928184E465}"/>
+                <a16:creationId xmlns:a16="http://schemas.microsoft.com/office/drawing/2014/main" id="{F54AC235-5133-27FC-93C5-0E928184E465}"/>
               </a:ext>
             </a:extLst>
           </p:cNvPr>
@@ -2016,7 +2017,7 @@
           <p:cNvPr id="5" name="Slide Number Placeholder 4">
             <a:extLst>
               <a:ext uri="{FF2B5EF4-FFF2-40B4-BE49-F238E27FC236}">
-                <a16:creationId xmlns:a16="http://schemas.microsoft.com/office/drawing/2014/main" xmlns="" id="{55E9208B-53E3-8821-AF1E-D60237FFF5CA}"/>
+                <a16:creationId xmlns:a16="http://schemas.microsoft.com/office/drawing/2014/main" id="{55E9208B-53E3-8821-AF1E-D60237FFF5CA}"/>
               </a:ext>
             </a:extLst>
           </p:cNvPr>
@@ -2075,7 +2076,7 @@
           <p:cNvPr id="2" name="Date Placeholder 1">
             <a:extLst>
               <a:ext uri="{FF2B5EF4-FFF2-40B4-BE49-F238E27FC236}">
-                <a16:creationId xmlns:a16="http://schemas.microsoft.com/office/drawing/2014/main" xmlns="" id="{6A3E0B53-8EF6-353D-FBA0-388384AF8C00}"/>
+                <a16:creationId xmlns:a16="http://schemas.microsoft.com/office/drawing/2014/main" id="{6A3E0B53-8EF6-353D-FBA0-388384AF8C00}"/>
               </a:ext>
             </a:extLst>
           </p:cNvPr>
@@ -2093,7 +2094,7 @@
           <a:p>
             <a:fld id="{CC723744-7631-45EC-9413-1AE502D85CB6}" type="datetimeFigureOut">
               <a:rPr lang="en-US" smtClean="0"/>
-              <a:t>1/10/2023</a:t>
+              <a:t>1/23/2023</a:t>
             </a:fld>
             <a:endParaRPr lang="en-US"/>
           </a:p>
@@ -2104,7 +2105,7 @@
           <p:cNvPr id="3" name="Footer Placeholder 2">
             <a:extLst>
               <a:ext uri="{FF2B5EF4-FFF2-40B4-BE49-F238E27FC236}">
-                <a16:creationId xmlns:a16="http://schemas.microsoft.com/office/drawing/2014/main" xmlns="" id="{0D42A1CC-AE7F-03EF-065D-AF2F33051F0F}"/>
+                <a16:creationId xmlns:a16="http://schemas.microsoft.com/office/drawing/2014/main" id="{0D42A1CC-AE7F-03EF-065D-AF2F33051F0F}"/>
               </a:ext>
             </a:extLst>
           </p:cNvPr>
@@ -2129,7 +2130,7 @@
           <p:cNvPr id="4" name="Slide Number Placeholder 3">
             <a:extLst>
               <a:ext uri="{FF2B5EF4-FFF2-40B4-BE49-F238E27FC236}">
-                <a16:creationId xmlns:a16="http://schemas.microsoft.com/office/drawing/2014/main" xmlns="" id="{49FC0077-6E69-F304-03E5-4129CDF2933E}"/>
+                <a16:creationId xmlns:a16="http://schemas.microsoft.com/office/drawing/2014/main" id="{49FC0077-6E69-F304-03E5-4129CDF2933E}"/>
               </a:ext>
             </a:extLst>
           </p:cNvPr>
@@ -2188,7 +2189,7 @@
           <p:cNvPr id="2" name="Title 1">
             <a:extLst>
               <a:ext uri="{FF2B5EF4-FFF2-40B4-BE49-F238E27FC236}">
-                <a16:creationId xmlns:a16="http://schemas.microsoft.com/office/drawing/2014/main" xmlns="" id="{C90CEA5D-6631-7135-813A-31138565330C}"/>
+                <a16:creationId xmlns:a16="http://schemas.microsoft.com/office/drawing/2014/main" id="{C90CEA5D-6631-7135-813A-31138565330C}"/>
               </a:ext>
             </a:extLst>
           </p:cNvPr>
@@ -2225,7 +2226,7 @@
           <p:cNvPr id="3" name="Content Placeholder 2">
             <a:extLst>
               <a:ext uri="{FF2B5EF4-FFF2-40B4-BE49-F238E27FC236}">
-                <a16:creationId xmlns:a16="http://schemas.microsoft.com/office/drawing/2014/main" xmlns="" id="{98FF2403-1CD2-CCD3-1BDB-7E9942D02B7D}"/>
+                <a16:creationId xmlns:a16="http://schemas.microsoft.com/office/drawing/2014/main" id="{98FF2403-1CD2-CCD3-1BDB-7E9942D02B7D}"/>
               </a:ext>
             </a:extLst>
           </p:cNvPr>
@@ -2315,7 +2316,7 @@
           <p:cNvPr id="4" name="Text Placeholder 3">
             <a:extLst>
               <a:ext uri="{FF2B5EF4-FFF2-40B4-BE49-F238E27FC236}">
-                <a16:creationId xmlns:a16="http://schemas.microsoft.com/office/drawing/2014/main" xmlns="" id="{F8A59947-03C5-1D2D-13CB-EC1E151DC989}"/>
+                <a16:creationId xmlns:a16="http://schemas.microsoft.com/office/drawing/2014/main" id="{F8A59947-03C5-1D2D-13CB-EC1E151DC989}"/>
               </a:ext>
             </a:extLst>
           </p:cNvPr>
@@ -2386,7 +2387,7 @@
           <p:cNvPr id="5" name="Date Placeholder 4">
             <a:extLst>
               <a:ext uri="{FF2B5EF4-FFF2-40B4-BE49-F238E27FC236}">
-                <a16:creationId xmlns:a16="http://schemas.microsoft.com/office/drawing/2014/main" xmlns="" id="{27660445-B618-0E02-A0A3-C5885508276A}"/>
+                <a16:creationId xmlns:a16="http://schemas.microsoft.com/office/drawing/2014/main" id="{27660445-B618-0E02-A0A3-C5885508276A}"/>
               </a:ext>
             </a:extLst>
           </p:cNvPr>
@@ -2404,7 +2405,7 @@
           <a:p>
             <a:fld id="{CC723744-7631-45EC-9413-1AE502D85CB6}" type="datetimeFigureOut">
               <a:rPr lang="en-US" smtClean="0"/>
-              <a:t>1/10/2023</a:t>
+              <a:t>1/23/2023</a:t>
             </a:fld>
             <a:endParaRPr lang="en-US"/>
           </a:p>
@@ -2415,7 +2416,7 @@
           <p:cNvPr id="6" name="Footer Placeholder 5">
             <a:extLst>
               <a:ext uri="{FF2B5EF4-FFF2-40B4-BE49-F238E27FC236}">
-                <a16:creationId xmlns:a16="http://schemas.microsoft.com/office/drawing/2014/main" xmlns="" id="{4052884B-9111-F3F7-7DF3-30A8DE2470CC}"/>
+                <a16:creationId xmlns:a16="http://schemas.microsoft.com/office/drawing/2014/main" id="{4052884B-9111-F3F7-7DF3-30A8DE2470CC}"/>
               </a:ext>
             </a:extLst>
           </p:cNvPr>
@@ -2440,7 +2441,7 @@
           <p:cNvPr id="7" name="Slide Number Placeholder 6">
             <a:extLst>
               <a:ext uri="{FF2B5EF4-FFF2-40B4-BE49-F238E27FC236}">
-                <a16:creationId xmlns:a16="http://schemas.microsoft.com/office/drawing/2014/main" xmlns="" id="{CB0570B3-4B5B-253A-D7A9-FC43B985954F}"/>
+                <a16:creationId xmlns:a16="http://schemas.microsoft.com/office/drawing/2014/main" id="{CB0570B3-4B5B-253A-D7A9-FC43B985954F}"/>
               </a:ext>
             </a:extLst>
           </p:cNvPr>
@@ -2499,7 +2500,7 @@
           <p:cNvPr id="2" name="Title 1">
             <a:extLst>
               <a:ext uri="{FF2B5EF4-FFF2-40B4-BE49-F238E27FC236}">
-                <a16:creationId xmlns:a16="http://schemas.microsoft.com/office/drawing/2014/main" xmlns="" id="{5B4C1B6D-A7FD-4D63-02EE-09D41DA222A2}"/>
+                <a16:creationId xmlns:a16="http://schemas.microsoft.com/office/drawing/2014/main" id="{5B4C1B6D-A7FD-4D63-02EE-09D41DA222A2}"/>
               </a:ext>
             </a:extLst>
           </p:cNvPr>
@@ -2536,7 +2537,7 @@
           <p:cNvPr id="3" name="Picture Placeholder 2">
             <a:extLst>
               <a:ext uri="{FF2B5EF4-FFF2-40B4-BE49-F238E27FC236}">
-                <a16:creationId xmlns:a16="http://schemas.microsoft.com/office/drawing/2014/main" xmlns="" id="{8F604FD7-0D4D-87E3-0F52-1E9BE5F97436}"/>
+                <a16:creationId xmlns:a16="http://schemas.microsoft.com/office/drawing/2014/main" id="{8F604FD7-0D4D-87E3-0F52-1E9BE5F97436}"/>
               </a:ext>
             </a:extLst>
           </p:cNvPr>
@@ -2603,7 +2604,7 @@
           <p:cNvPr id="4" name="Text Placeholder 3">
             <a:extLst>
               <a:ext uri="{FF2B5EF4-FFF2-40B4-BE49-F238E27FC236}">
-                <a16:creationId xmlns:a16="http://schemas.microsoft.com/office/drawing/2014/main" xmlns="" id="{6EC1A05E-F8A8-012D-8C12-A6AB49E3AA57}"/>
+                <a16:creationId xmlns:a16="http://schemas.microsoft.com/office/drawing/2014/main" id="{6EC1A05E-F8A8-012D-8C12-A6AB49E3AA57}"/>
               </a:ext>
             </a:extLst>
           </p:cNvPr>
@@ -2674,7 +2675,7 @@
           <p:cNvPr id="5" name="Date Placeholder 4">
             <a:extLst>
               <a:ext uri="{FF2B5EF4-FFF2-40B4-BE49-F238E27FC236}">
-                <a16:creationId xmlns:a16="http://schemas.microsoft.com/office/drawing/2014/main" xmlns="" id="{4882D62F-9FFB-0741-D493-E84E7D3164B8}"/>
+                <a16:creationId xmlns:a16="http://schemas.microsoft.com/office/drawing/2014/main" id="{4882D62F-9FFB-0741-D493-E84E7D3164B8}"/>
               </a:ext>
             </a:extLst>
           </p:cNvPr>
@@ -2692,7 +2693,7 @@
           <a:p>
             <a:fld id="{CC723744-7631-45EC-9413-1AE502D85CB6}" type="datetimeFigureOut">
               <a:rPr lang="en-US" smtClean="0"/>
-              <a:t>1/10/2023</a:t>
+              <a:t>1/23/2023</a:t>
             </a:fld>
             <a:endParaRPr lang="en-US"/>
           </a:p>
@@ -2703,7 +2704,7 @@
           <p:cNvPr id="6" name="Footer Placeholder 5">
             <a:extLst>
               <a:ext uri="{FF2B5EF4-FFF2-40B4-BE49-F238E27FC236}">
-                <a16:creationId xmlns:a16="http://schemas.microsoft.com/office/drawing/2014/main" xmlns="" id="{9B73645A-2100-BBAF-5BB0-A1B1FDB94382}"/>
+                <a16:creationId xmlns:a16="http://schemas.microsoft.com/office/drawing/2014/main" id="{9B73645A-2100-BBAF-5BB0-A1B1FDB94382}"/>
               </a:ext>
             </a:extLst>
           </p:cNvPr>
@@ -2728,7 +2729,7 @@
           <p:cNvPr id="7" name="Slide Number Placeholder 6">
             <a:extLst>
               <a:ext uri="{FF2B5EF4-FFF2-40B4-BE49-F238E27FC236}">
-                <a16:creationId xmlns:a16="http://schemas.microsoft.com/office/drawing/2014/main" xmlns="" id="{A096F40B-F5A5-2BA7-22FF-10E2AB9F80EB}"/>
+                <a16:creationId xmlns:a16="http://schemas.microsoft.com/office/drawing/2014/main" id="{A096F40B-F5A5-2BA7-22FF-10E2AB9F80EB}"/>
               </a:ext>
             </a:extLst>
           </p:cNvPr>
@@ -2792,7 +2793,7 @@
           <p:cNvPr id="2" name="Title Placeholder 1">
             <a:extLst>
               <a:ext uri="{FF2B5EF4-FFF2-40B4-BE49-F238E27FC236}">
-                <a16:creationId xmlns:a16="http://schemas.microsoft.com/office/drawing/2014/main" xmlns="" id="{0FC70D25-C3F3-8F59-35C8-00312F5266CB}"/>
+                <a16:creationId xmlns:a16="http://schemas.microsoft.com/office/drawing/2014/main" id="{0FC70D25-C3F3-8F59-35C8-00312F5266CB}"/>
               </a:ext>
             </a:extLst>
           </p:cNvPr>
@@ -2830,7 +2831,7 @@
           <p:cNvPr id="3" name="Text Placeholder 2">
             <a:extLst>
               <a:ext uri="{FF2B5EF4-FFF2-40B4-BE49-F238E27FC236}">
-                <a16:creationId xmlns:a16="http://schemas.microsoft.com/office/drawing/2014/main" xmlns="" id="{9E994A6B-D34D-8E01-EE9B-BA3781420FCB}"/>
+                <a16:creationId xmlns:a16="http://schemas.microsoft.com/office/drawing/2014/main" id="{9E994A6B-D34D-8E01-EE9B-BA3781420FCB}"/>
               </a:ext>
             </a:extLst>
           </p:cNvPr>
@@ -2897,7 +2898,7 @@
           <p:cNvPr id="4" name="Date Placeholder 3">
             <a:extLst>
               <a:ext uri="{FF2B5EF4-FFF2-40B4-BE49-F238E27FC236}">
-                <a16:creationId xmlns:a16="http://schemas.microsoft.com/office/drawing/2014/main" xmlns="" id="{C9BD5823-83D1-0F27-3E44-8712825C4E17}"/>
+                <a16:creationId xmlns:a16="http://schemas.microsoft.com/office/drawing/2014/main" id="{C9BD5823-83D1-0F27-3E44-8712825C4E17}"/>
               </a:ext>
             </a:extLst>
           </p:cNvPr>
@@ -2933,7 +2934,7 @@
           <a:p>
             <a:fld id="{CC723744-7631-45EC-9413-1AE502D85CB6}" type="datetimeFigureOut">
               <a:rPr lang="en-US" smtClean="0"/>
-              <a:t>1/10/2023</a:t>
+              <a:t>1/23/2023</a:t>
             </a:fld>
             <a:endParaRPr lang="en-US"/>
           </a:p>
@@ -2944,7 +2945,7 @@
           <p:cNvPr id="5" name="Footer Placeholder 4">
             <a:extLst>
               <a:ext uri="{FF2B5EF4-FFF2-40B4-BE49-F238E27FC236}">
-                <a16:creationId xmlns:a16="http://schemas.microsoft.com/office/drawing/2014/main" xmlns="" id="{3D8FC6C2-1F4F-5233-E2C2-53ECF9AFF1C8}"/>
+                <a16:creationId xmlns:a16="http://schemas.microsoft.com/office/drawing/2014/main" id="{3D8FC6C2-1F4F-5233-E2C2-53ECF9AFF1C8}"/>
               </a:ext>
             </a:extLst>
           </p:cNvPr>
@@ -2987,7 +2988,7 @@
           <p:cNvPr id="6" name="Slide Number Placeholder 5">
             <a:extLst>
               <a:ext uri="{FF2B5EF4-FFF2-40B4-BE49-F238E27FC236}">
-                <a16:creationId xmlns:a16="http://schemas.microsoft.com/office/drawing/2014/main" xmlns="" id="{41522096-6DD3-2F10-AAA8-EC0CE442F7FC}"/>
+                <a16:creationId xmlns:a16="http://schemas.microsoft.com/office/drawing/2014/main" id="{41522096-6DD3-2F10-AAA8-EC0CE442F7FC}"/>
               </a:ext>
             </a:extLst>
           </p:cNvPr>
@@ -3355,7 +3356,7 @@
           <p:cNvPr id="2" name="Title 1">
             <a:extLst>
               <a:ext uri="{FF2B5EF4-FFF2-40B4-BE49-F238E27FC236}">
-                <a16:creationId xmlns:a16="http://schemas.microsoft.com/office/drawing/2014/main" xmlns="" id="{69E4034B-AAE5-434C-4F17-E5CBB3875D63}"/>
+                <a16:creationId xmlns:a16="http://schemas.microsoft.com/office/drawing/2014/main" id="{69E4034B-AAE5-434C-4F17-E5CBB3875D63}"/>
               </a:ext>
             </a:extLst>
           </p:cNvPr>
@@ -3383,7 +3384,7 @@
           <p:cNvPr id="3" name="Subtitle 2">
             <a:extLst>
               <a:ext uri="{FF2B5EF4-FFF2-40B4-BE49-F238E27FC236}">
-                <a16:creationId xmlns:a16="http://schemas.microsoft.com/office/drawing/2014/main" xmlns="" id="{C4954345-570C-863D-0318-9401BFA3F94A}"/>
+                <a16:creationId xmlns:a16="http://schemas.microsoft.com/office/drawing/2014/main" id="{C4954345-570C-863D-0318-9401BFA3F94A}"/>
               </a:ext>
             </a:extLst>
           </p:cNvPr>
@@ -3438,7 +3439,7 @@
           <p:cNvPr id="2" name="Title 1">
             <a:extLst>
               <a:ext uri="{FF2B5EF4-FFF2-40B4-BE49-F238E27FC236}">
-                <a16:creationId xmlns:a16="http://schemas.microsoft.com/office/drawing/2014/main" xmlns="" id="{CED6CEE3-7CEE-BBAA-2ADC-C096B9186E91}"/>
+                <a16:creationId xmlns:a16="http://schemas.microsoft.com/office/drawing/2014/main" id="{CED6CEE3-7CEE-BBAA-2ADC-C096B9186E91}"/>
               </a:ext>
             </a:extLst>
           </p:cNvPr>
@@ -3466,7 +3467,7 @@
           <p:cNvPr id="3" name="Content Placeholder 2">
             <a:extLst>
               <a:ext uri="{FF2B5EF4-FFF2-40B4-BE49-F238E27FC236}">
-                <a16:creationId xmlns:a16="http://schemas.microsoft.com/office/drawing/2014/main" xmlns="" id="{6D9E2BB0-14AB-162F-70BC-6C07E896F2BB}"/>
+                <a16:creationId xmlns:a16="http://schemas.microsoft.com/office/drawing/2014/main" id="{6D9E2BB0-14AB-162F-70BC-6C07E896F2BB}"/>
               </a:ext>
             </a:extLst>
           </p:cNvPr>
@@ -3525,7 +3526,7 @@
           <p:cNvPr id="5" name="Picture 4">
             <a:extLst>
               <a:ext uri="{FF2B5EF4-FFF2-40B4-BE49-F238E27FC236}">
-                <a16:creationId xmlns:a16="http://schemas.microsoft.com/office/drawing/2014/main" xmlns="" id="{4EA95FB3-AAE4-E499-B0B5-BC5FF9EB8F9C}"/>
+                <a16:creationId xmlns:a16="http://schemas.microsoft.com/office/drawing/2014/main" id="{4EA95FB3-AAE4-E499-B0B5-BC5FF9EB8F9C}"/>
               </a:ext>
             </a:extLst>
           </p:cNvPr>
@@ -3585,7 +3586,7 @@
           <p:cNvPr id="2" name="Title 1">
             <a:extLst>
               <a:ext uri="{FF2B5EF4-FFF2-40B4-BE49-F238E27FC236}">
-                <a16:creationId xmlns:a16="http://schemas.microsoft.com/office/drawing/2014/main" xmlns="" id="{1A763B2D-4A52-28E1-FED9-DC95CBF23AFC}"/>
+                <a16:creationId xmlns:a16="http://schemas.microsoft.com/office/drawing/2014/main" id="{1A763B2D-4A52-28E1-FED9-DC95CBF23AFC}"/>
               </a:ext>
             </a:extLst>
           </p:cNvPr>
@@ -3613,7 +3614,7 @@
           <p:cNvPr id="3" name="Content Placeholder 2">
             <a:extLst>
               <a:ext uri="{FF2B5EF4-FFF2-40B4-BE49-F238E27FC236}">
-                <a16:creationId xmlns:a16="http://schemas.microsoft.com/office/drawing/2014/main" xmlns="" id="{A278338D-635E-0B0D-6A89-F876ACEE58B8}"/>
+                <a16:creationId xmlns:a16="http://schemas.microsoft.com/office/drawing/2014/main" id="{A278338D-635E-0B0D-6A89-F876ACEE58B8}"/>
               </a:ext>
             </a:extLst>
           </p:cNvPr>
@@ -3707,7 +3708,7 @@
           <p:cNvPr id="5" name="Picture 4">
             <a:extLst>
               <a:ext uri="{FF2B5EF4-FFF2-40B4-BE49-F238E27FC236}">
-                <a16:creationId xmlns:a16="http://schemas.microsoft.com/office/drawing/2014/main" xmlns="" id="{279E62C3-1504-A0A6-2572-85A8A39FB01E}"/>
+                <a16:creationId xmlns:a16="http://schemas.microsoft.com/office/drawing/2014/main" id="{279E62C3-1504-A0A6-2572-85A8A39FB01E}"/>
               </a:ext>
             </a:extLst>
           </p:cNvPr>
@@ -3737,7 +3738,7 @@
           <p:cNvPr id="6" name="Picture 5">
             <a:extLst>
               <a:ext uri="{FF2B5EF4-FFF2-40B4-BE49-F238E27FC236}">
-                <a16:creationId xmlns:a16="http://schemas.microsoft.com/office/drawing/2014/main" xmlns="" id="{8192804E-AFFD-AE03-802E-8E1008364AE4}"/>
+                <a16:creationId xmlns:a16="http://schemas.microsoft.com/office/drawing/2014/main" id="{8192804E-AFFD-AE03-802E-8E1008364AE4}"/>
               </a:ext>
             </a:extLst>
           </p:cNvPr>
@@ -3767,7 +3768,7 @@
           <p:cNvPr id="8" name="Picture 7">
             <a:extLst>
               <a:ext uri="{FF2B5EF4-FFF2-40B4-BE49-F238E27FC236}">
-                <a16:creationId xmlns:a16="http://schemas.microsoft.com/office/drawing/2014/main" xmlns="" id="{358010FE-A2AE-78DD-7412-9629A79BFB48}"/>
+                <a16:creationId xmlns:a16="http://schemas.microsoft.com/office/drawing/2014/main" id="{358010FE-A2AE-78DD-7412-9629A79BFB48}"/>
               </a:ext>
             </a:extLst>
           </p:cNvPr>
@@ -3797,7 +3798,7 @@
           <p:cNvPr id="10" name="Picture 9">
             <a:extLst>
               <a:ext uri="{FF2B5EF4-FFF2-40B4-BE49-F238E27FC236}">
-                <a16:creationId xmlns:a16="http://schemas.microsoft.com/office/drawing/2014/main" xmlns="" id="{2046A62F-2E1A-D0CD-9CE1-69F02AE67DEF}"/>
+                <a16:creationId xmlns:a16="http://schemas.microsoft.com/office/drawing/2014/main" id="{2046A62F-2E1A-D0CD-9CE1-69F02AE67DEF}"/>
               </a:ext>
             </a:extLst>
           </p:cNvPr>
@@ -3868,30 +3869,29 @@
           <a:lstStyle/>
           <a:p>
             <a:r>
-              <a:rPr lang="en-US" dirty="0" err="1" smtClean="0"/>
+              <a:rPr lang="en-US" dirty="0" err="1"/>
               <a:t>Wirescan</a:t>
             </a:r>
             <a:r>
-              <a:rPr lang="en-US" dirty="0" smtClean="0"/>
+              <a:rPr lang="en-US" dirty="0"/>
               <a:t> (12-28 </a:t>
             </a:r>
             <a:r>
-              <a:rPr lang="en-US" dirty="0" err="1" smtClean="0"/>
+              <a:rPr lang="en-US" dirty="0" err="1"/>
               <a:t>xtraj</a:t>
             </a:r>
             <a:r>
-              <a:rPr lang="en-US" dirty="0" smtClean="0"/>
+              <a:rPr lang="en-US" dirty="0"/>
               <a:t> vs </a:t>
             </a:r>
             <a:r>
-              <a:rPr lang="en-US" dirty="0" err="1" smtClean="0"/>
+              <a:rPr lang="en-US" dirty="0" err="1"/>
               <a:t>yoffset</a:t>
             </a:r>
             <a:r>
-              <a:rPr lang="en-US" dirty="0" smtClean="0"/>
+              <a:rPr lang="en-US" dirty="0"/>
               <a:t>)</a:t>
             </a:r>
-            <a:endParaRPr lang="en-US" dirty="0"/>
           </a:p>
         </p:txBody>
       </p:sp>
@@ -3918,16 +3918,15 @@
           <a:lstStyle/>
           <a:p>
             <a:r>
-              <a:rPr lang="en-US" dirty="0" smtClean="0"/>
+              <a:rPr lang="en-US" dirty="0"/>
               <a:t>Clean looking concavities!</a:t>
             </a:r>
           </a:p>
           <a:p>
             <a:r>
-              <a:rPr lang="en-US" dirty="0" smtClean="0"/>
+              <a:rPr lang="en-US" dirty="0"/>
               <a:t>Axes of peaks are within +/- 150um and we are centered for the most part.</a:t>
             </a:r>
-            <a:endParaRPr lang="en-US" dirty="0"/>
           </a:p>
         </p:txBody>
       </p:sp>
@@ -4193,30 +4192,29 @@
           <a:lstStyle/>
           <a:p>
             <a:r>
-              <a:rPr lang="en-US" dirty="0" err="1" smtClean="0"/>
+              <a:rPr lang="en-US" dirty="0" err="1"/>
               <a:t>Wirescan</a:t>
             </a:r>
             <a:r>
-              <a:rPr lang="en-US" dirty="0" smtClean="0"/>
+              <a:rPr lang="en-US" dirty="0"/>
               <a:t> (12-28 </a:t>
             </a:r>
             <a:r>
-              <a:rPr lang="en-US" dirty="0" err="1" smtClean="0"/>
+              <a:rPr lang="en-US" dirty="0" err="1"/>
               <a:t>ytraj</a:t>
             </a:r>
             <a:r>
-              <a:rPr lang="en-US" dirty="0" smtClean="0"/>
+              <a:rPr lang="en-US" dirty="0"/>
               <a:t>, </a:t>
             </a:r>
             <a:r>
-              <a:rPr lang="en-US" dirty="0" err="1" smtClean="0"/>
+              <a:rPr lang="en-US" dirty="0" err="1"/>
               <a:t>xoffset</a:t>
             </a:r>
             <a:r>
-              <a:rPr lang="en-US" dirty="0" smtClean="0"/>
+              <a:rPr lang="en-US" dirty="0"/>
               <a:t>)</a:t>
             </a:r>
-            <a:endParaRPr lang="en-US" dirty="0"/>
           </a:p>
         </p:txBody>
       </p:sp>
@@ -4243,13 +4241,13 @@
           <a:lstStyle/>
           <a:p>
             <a:r>
-              <a:rPr lang="en-US" dirty="0" smtClean="0"/>
+              <a:rPr lang="en-US" dirty="0"/>
               <a:t>Clean concavities!</a:t>
             </a:r>
           </a:p>
           <a:p>
             <a:r>
-              <a:rPr lang="en-US" dirty="0" smtClean="0"/>
+              <a:rPr lang="en-US" dirty="0"/>
               <a:t>Axes are grouped within +/- 150um. </a:t>
             </a:r>
           </a:p>
@@ -4512,7 +4510,7 @@
           <p:cNvPr id="2" name="Title 1">
             <a:extLst>
               <a:ext uri="{FF2B5EF4-FFF2-40B4-BE49-F238E27FC236}">
-                <a16:creationId xmlns:a16="http://schemas.microsoft.com/office/drawing/2014/main" xmlns="" id="{78B10E82-B82E-F254-ACC9-2E72CA9AD2C0}"/>
+                <a16:creationId xmlns:a16="http://schemas.microsoft.com/office/drawing/2014/main" id="{78B10E82-B82E-F254-ACC9-2E72CA9AD2C0}"/>
               </a:ext>
             </a:extLst>
           </p:cNvPr>
@@ -4548,7 +4546,7 @@
           <p:cNvPr id="3" name="Content Placeholder 2">
             <a:extLst>
               <a:ext uri="{FF2B5EF4-FFF2-40B4-BE49-F238E27FC236}">
-                <a16:creationId xmlns:a16="http://schemas.microsoft.com/office/drawing/2014/main" xmlns="" id="{1C4E8765-F967-3CEA-550F-C0D67EAC2990}"/>
+                <a16:creationId xmlns:a16="http://schemas.microsoft.com/office/drawing/2014/main" id="{1C4E8765-F967-3CEA-550F-C0D67EAC2990}"/>
               </a:ext>
             </a:extLst>
           </p:cNvPr>
@@ -4608,10 +4606,9 @@
           </a:p>
           <a:p>
             <a:r>
-              <a:rPr lang="en-US" dirty="0" smtClean="0"/>
+              <a:rPr lang="en-US" dirty="0"/>
               <a:t>New Positions: (currently final positions)</a:t>
             </a:r>
-            <a:endParaRPr lang="en-US" dirty="0"/>
           </a:p>
           <a:p>
             <a:pPr lvl="1"/>
@@ -4639,6 +4636,124 @@
     <p:extLst>
       <p:ext uri="{BB962C8B-B14F-4D97-AF65-F5344CB8AC3E}">
         <p14:creationId xmlns:p14="http://schemas.microsoft.com/office/powerpoint/2010/main" val="3039989018"/>
+      </p:ext>
+    </p:extLst>
+  </p:cSld>
+  <p:clrMapOvr>
+    <a:masterClrMapping/>
+  </p:clrMapOvr>
+</p:sld>
+</file>
+
+<file path=ppt/slides/slide15.xml><?xml version="1.0" encoding="utf-8"?>
+<p:sld xmlns:a="http://schemas.openxmlformats.org/drawingml/2006/main" xmlns:r="http://schemas.openxmlformats.org/officeDocument/2006/relationships" xmlns:p="http://schemas.openxmlformats.org/presentationml/2006/main">
+  <p:cSld>
+    <p:spTree>
+      <p:nvGrpSpPr>
+        <p:cNvPr id="1" name=""/>
+        <p:cNvGrpSpPr/>
+        <p:nvPr/>
+      </p:nvGrpSpPr>
+      <p:grpSpPr>
+        <a:xfrm>
+          <a:off x="0" y="0"/>
+          <a:ext cx="0" cy="0"/>
+          <a:chOff x="0" y="0"/>
+          <a:chExt cx="0" cy="0"/>
+        </a:xfrm>
+      </p:grpSpPr>
+      <p:sp>
+        <p:nvSpPr>
+          <p:cNvPr id="2" name="Title 1">
+            <a:extLst>
+              <a:ext uri="{FF2B5EF4-FFF2-40B4-BE49-F238E27FC236}">
+                <a16:creationId xmlns:a16="http://schemas.microsoft.com/office/drawing/2014/main" id="{0CA094E5-4C93-9802-4802-85A30C00F88B}"/>
+              </a:ext>
+            </a:extLst>
+          </p:cNvPr>
+          <p:cNvSpPr>
+            <a:spLocks noGrp="1"/>
+          </p:cNvSpPr>
+          <p:nvPr>
+            <p:ph type="title"/>
+          </p:nvPr>
+        </p:nvSpPr>
+        <p:spPr/>
+        <p:txBody>
+          <a:bodyPr/>
+          <a:lstStyle/>
+          <a:p>
+            <a:r>
+              <a:rPr lang="en-US" dirty="0"/>
+              <a:t>After doing X </a:t>
+            </a:r>
+            <a:r>
+              <a:rPr lang="en-US" dirty="0" err="1"/>
+              <a:t>traj</a:t>
+            </a:r>
+            <a:r>
+              <a:rPr lang="en-US" dirty="0"/>
+              <a:t> vs Y offset Jan 19</a:t>
+            </a:r>
+          </a:p>
+        </p:txBody>
+      </p:sp>
+      <p:sp>
+        <p:nvSpPr>
+          <p:cNvPr id="3" name="Content Placeholder 2">
+            <a:extLst>
+              <a:ext uri="{FF2B5EF4-FFF2-40B4-BE49-F238E27FC236}">
+                <a16:creationId xmlns:a16="http://schemas.microsoft.com/office/drawing/2014/main" id="{19937FE7-BF82-BB7A-4AF3-672BC0ECAB5A}"/>
+              </a:ext>
+            </a:extLst>
+          </p:cNvPr>
+          <p:cNvSpPr>
+            <a:spLocks noGrp="1"/>
+          </p:cNvSpPr>
+          <p:nvPr>
+            <p:ph idx="1"/>
+          </p:nvPr>
+        </p:nvSpPr>
+        <p:spPr/>
+        <p:txBody>
+          <a:bodyPr/>
+          <a:lstStyle/>
+          <a:p>
+            <a:r>
+              <a:rPr lang="en-US" dirty="0"/>
+              <a:t>It suggested moving -50 in y.</a:t>
+            </a:r>
+          </a:p>
+          <a:p>
+            <a:r>
+              <a:rPr lang="en-US" dirty="0"/>
+              <a:t>Now we are at:</a:t>
+            </a:r>
+          </a:p>
+          <a:p>
+            <a:pPr lvl="1"/>
+            <a:r>
+              <a:rPr lang="en-US" dirty="0"/>
+              <a:t>X1,y1 = (12.85, 18.40)</a:t>
+            </a:r>
+          </a:p>
+          <a:p>
+            <a:pPr lvl="1"/>
+            <a:r>
+              <a:rPr lang="en-US" dirty="0"/>
+              <a:t>X2, y2 = (10.5, 12.00)</a:t>
+            </a:r>
+          </a:p>
+          <a:p>
+            <a:pPr lvl="1"/>
+            <a:endParaRPr lang="en-US" dirty="0"/>
+          </a:p>
+        </p:txBody>
+      </p:sp>
+    </p:spTree>
+    <p:extLst>
+      <p:ext uri="{BB962C8B-B14F-4D97-AF65-F5344CB8AC3E}">
+        <p14:creationId xmlns:p14="http://schemas.microsoft.com/office/powerpoint/2010/main" val="306346600"/>
       </p:ext>
     </p:extLst>
   </p:cSld>
@@ -4670,7 +4785,7 @@
           <p:cNvPr id="2" name="Title 1">
             <a:extLst>
               <a:ext uri="{FF2B5EF4-FFF2-40B4-BE49-F238E27FC236}">
-                <a16:creationId xmlns:a16="http://schemas.microsoft.com/office/drawing/2014/main" xmlns="" id="{EBC8FE42-5B69-3646-4465-CA90DA560DE6}"/>
+                <a16:creationId xmlns:a16="http://schemas.microsoft.com/office/drawing/2014/main" id="{EBC8FE42-5B69-3646-4465-CA90DA560DE6}"/>
               </a:ext>
             </a:extLst>
           </p:cNvPr>
@@ -4698,7 +4813,7 @@
           <p:cNvPr id="3" name="Content Placeholder 2">
             <a:extLst>
               <a:ext uri="{FF2B5EF4-FFF2-40B4-BE49-F238E27FC236}">
-                <a16:creationId xmlns:a16="http://schemas.microsoft.com/office/drawing/2014/main" xmlns="" id="{CA83AA07-1277-6384-211A-45877720C484}"/>
+                <a16:creationId xmlns:a16="http://schemas.microsoft.com/office/drawing/2014/main" id="{CA83AA07-1277-6384-211A-45877720C484}"/>
               </a:ext>
             </a:extLst>
           </p:cNvPr>
@@ -5077,7 +5192,7 @@
           <p:cNvPr id="2" name="Title 1">
             <a:extLst>
               <a:ext uri="{FF2B5EF4-FFF2-40B4-BE49-F238E27FC236}">
-                <a16:creationId xmlns:a16="http://schemas.microsoft.com/office/drawing/2014/main" xmlns="" id="{80D8FB11-E7EC-4570-85E3-3D9D77794551}"/>
+                <a16:creationId xmlns:a16="http://schemas.microsoft.com/office/drawing/2014/main" id="{80D8FB11-E7EC-4570-85E3-3D9D77794551}"/>
               </a:ext>
             </a:extLst>
           </p:cNvPr>
@@ -5118,7 +5233,7 @@
           <p:cNvPr id="3" name="Content Placeholder 2">
             <a:extLst>
               <a:ext uri="{FF2B5EF4-FFF2-40B4-BE49-F238E27FC236}">
-                <a16:creationId xmlns:a16="http://schemas.microsoft.com/office/drawing/2014/main" xmlns="" id="{9D2872F6-FEEE-7854-2BAD-A14CD4EA438D}"/>
+                <a16:creationId xmlns:a16="http://schemas.microsoft.com/office/drawing/2014/main" id="{9D2872F6-FEEE-7854-2BAD-A14CD4EA438D}"/>
               </a:ext>
             </a:extLst>
           </p:cNvPr>
@@ -5978,7 +6093,7 @@
           <p:cNvPr id="5" name="Picture 4">
             <a:extLst>
               <a:ext uri="{FF2B5EF4-FFF2-40B4-BE49-F238E27FC236}">
-                <a16:creationId xmlns:a16="http://schemas.microsoft.com/office/drawing/2014/main" xmlns="" id="{75A3AF0A-2B48-0EA2-AF5B-A14DCC938814}"/>
+                <a16:creationId xmlns:a16="http://schemas.microsoft.com/office/drawing/2014/main" id="{75A3AF0A-2B48-0EA2-AF5B-A14DCC938814}"/>
               </a:ext>
             </a:extLst>
           </p:cNvPr>
@@ -6038,7 +6153,7 @@
           <p:cNvPr id="2" name="Title 1">
             <a:extLst>
               <a:ext uri="{FF2B5EF4-FFF2-40B4-BE49-F238E27FC236}">
-                <a16:creationId xmlns:a16="http://schemas.microsoft.com/office/drawing/2014/main" xmlns="" id="{0A76321B-E087-78C4-17C3-E06C0E8D208C}"/>
+                <a16:creationId xmlns:a16="http://schemas.microsoft.com/office/drawing/2014/main" id="{0A76321B-E087-78C4-17C3-E06C0E8D208C}"/>
               </a:ext>
             </a:extLst>
           </p:cNvPr>
@@ -6079,7 +6194,7 @@
           <p:cNvPr id="3" name="Content Placeholder 2">
             <a:extLst>
               <a:ext uri="{FF2B5EF4-FFF2-40B4-BE49-F238E27FC236}">
-                <a16:creationId xmlns:a16="http://schemas.microsoft.com/office/drawing/2014/main" xmlns="" id="{3B9E35F8-D244-EE00-E392-A9D06D2CDF92}"/>
+                <a16:creationId xmlns:a16="http://schemas.microsoft.com/office/drawing/2014/main" id="{3B9E35F8-D244-EE00-E392-A9D06D2CDF92}"/>
               </a:ext>
             </a:extLst>
           </p:cNvPr>
@@ -6118,7 +6233,7 @@
           <p:cNvPr id="5" name="Picture 4">
             <a:extLst>
               <a:ext uri="{FF2B5EF4-FFF2-40B4-BE49-F238E27FC236}">
-                <a16:creationId xmlns:a16="http://schemas.microsoft.com/office/drawing/2014/main" xmlns="" id="{BE7249A0-46A3-18A3-6A64-74EEEA20DF40}"/>
+                <a16:creationId xmlns:a16="http://schemas.microsoft.com/office/drawing/2014/main" id="{BE7249A0-46A3-18A3-6A64-74EEEA20DF40}"/>
               </a:ext>
             </a:extLst>
           </p:cNvPr>
@@ -6178,7 +6293,7 @@
           <p:cNvPr id="2" name="Title 1">
             <a:extLst>
               <a:ext uri="{FF2B5EF4-FFF2-40B4-BE49-F238E27FC236}">
-                <a16:creationId xmlns:a16="http://schemas.microsoft.com/office/drawing/2014/main" xmlns="" id="{66E25D20-5A7E-E777-DDD1-647FB122E100}"/>
+                <a16:creationId xmlns:a16="http://schemas.microsoft.com/office/drawing/2014/main" id="{66E25D20-5A7E-E777-DDD1-647FB122E100}"/>
               </a:ext>
             </a:extLst>
           </p:cNvPr>
@@ -6206,7 +6321,7 @@
           <p:cNvPr id="3" name="Content Placeholder 2">
             <a:extLst>
               <a:ext uri="{FF2B5EF4-FFF2-40B4-BE49-F238E27FC236}">
-                <a16:creationId xmlns:a16="http://schemas.microsoft.com/office/drawing/2014/main" xmlns="" id="{C5CF756D-566E-0421-EA8F-768929DAE644}"/>
+                <a16:creationId xmlns:a16="http://schemas.microsoft.com/office/drawing/2014/main" id="{C5CF756D-566E-0421-EA8F-768929DAE644}"/>
               </a:ext>
             </a:extLst>
           </p:cNvPr>
@@ -6327,7 +6442,7 @@
           <p:cNvPr id="7" name="Picture 6">
             <a:extLst>
               <a:ext uri="{FF2B5EF4-FFF2-40B4-BE49-F238E27FC236}">
-                <a16:creationId xmlns:a16="http://schemas.microsoft.com/office/drawing/2014/main" xmlns="" id="{209B01DF-8EB8-BD68-4FDE-F5B5D8A9BAA6}"/>
+                <a16:creationId xmlns:a16="http://schemas.microsoft.com/office/drawing/2014/main" id="{209B01DF-8EB8-BD68-4FDE-F5B5D8A9BAA6}"/>
               </a:ext>
             </a:extLst>
           </p:cNvPr>
@@ -6654,7 +6769,7 @@
   <a:extraClrSchemeLst/>
   <a:extLst>
     <a:ext uri="{05A4C25C-085E-4340-85A3-A5531E510DB2}">
-      <thm15:themeFamily xmlns:thm15="http://schemas.microsoft.com/office/thememl/2012/main" xmlns="" name="Office Theme" id="{62F939B6-93AF-4DB8-9C6B-D6C7DFDC589F}" vid="{4A3C46E8-61CC-4603-A589-7422A47A8E4A}"/>
+      <thm15:themeFamily xmlns:thm15="http://schemas.microsoft.com/office/thememl/2012/main" name="Office Theme" id="{62F939B6-93AF-4DB8-9C6B-D6C7DFDC589F}" vid="{4A3C46E8-61CC-4603-A589-7422A47A8E4A}"/>
     </a:ext>
   </a:extLst>
 </a:theme>
